--- a/2nd edition bot/презентация.pptx
+++ b/2nd edition bot/презентация.pptx
@@ -308,7 +308,7 @@
             <a:fld id="{5B106E36-FD25-4E2D-B0AA-010F637433A0}" type="datetimeFigureOut">
               <a:rPr lang="ru-RU" smtClean="0"/>
               <a:pPr/>
-              <a:t>27.04.2019</a:t>
+              <a:t>30.04.2019</a:t>
             </a:fld>
             <a:endParaRPr lang="ru-RU"/>
           </a:p>
@@ -663,7 +663,7 @@
             <a:fld id="{5B106E36-FD25-4E2D-B0AA-010F637433A0}" type="datetimeFigureOut">
               <a:rPr lang="ru-RU" smtClean="0"/>
               <a:pPr/>
-              <a:t>27.04.2019</a:t>
+              <a:t>30.04.2019</a:t>
             </a:fld>
             <a:endParaRPr lang="ru-RU"/>
           </a:p>
@@ -840,7 +840,7 @@
             <a:fld id="{5B106E36-FD25-4E2D-B0AA-010F637433A0}" type="datetimeFigureOut">
               <a:rPr lang="ru-RU" smtClean="0"/>
               <a:pPr/>
-              <a:t>27.04.2019</a:t>
+              <a:t>30.04.2019</a:t>
             </a:fld>
             <a:endParaRPr lang="ru-RU"/>
           </a:p>
@@ -955,7 +955,7 @@
             <a:fld id="{5B106E36-FD25-4E2D-B0AA-010F637433A0}" type="datetimeFigureOut">
               <a:rPr lang="ru-RU" smtClean="0"/>
               <a:pPr/>
-              <a:t>27.04.2019</a:t>
+              <a:t>30.04.2019</a:t>
             </a:fld>
             <a:endParaRPr lang="ru-RU"/>
           </a:p>
@@ -1315,7 +1315,7 @@
             <a:fld id="{5B106E36-FD25-4E2D-B0AA-010F637433A0}" type="datetimeFigureOut">
               <a:rPr lang="ru-RU" smtClean="0"/>
               <a:pPr/>
-              <a:t>27.04.2019</a:t>
+              <a:t>30.04.2019</a:t>
             </a:fld>
             <a:endParaRPr lang="ru-RU"/>
           </a:p>
@@ -1582,7 +1582,7 @@
             <a:fld id="{5B106E36-FD25-4E2D-B0AA-010F637433A0}" type="datetimeFigureOut">
               <a:rPr lang="ru-RU" smtClean="0"/>
               <a:pPr/>
-              <a:t>27.04.2019</a:t>
+              <a:t>30.04.2019</a:t>
             </a:fld>
             <a:endParaRPr lang="ru-RU"/>
           </a:p>
@@ -1946,7 +1946,7 @@
             <a:fld id="{5B106E36-FD25-4E2D-B0AA-010F637433A0}" type="datetimeFigureOut">
               <a:rPr lang="ru-RU" smtClean="0"/>
               <a:pPr/>
-              <a:t>27.04.2019</a:t>
+              <a:t>30.04.2019</a:t>
             </a:fld>
             <a:endParaRPr lang="ru-RU"/>
           </a:p>
@@ -2175,7 +2175,7 @@
             <a:fld id="{5B106E36-FD25-4E2D-B0AA-010F637433A0}" type="datetimeFigureOut">
               <a:rPr lang="ru-RU" smtClean="0"/>
               <a:pPr/>
-              <a:t>27.04.2019</a:t>
+              <a:t>30.04.2019</a:t>
             </a:fld>
             <a:endParaRPr lang="ru-RU"/>
           </a:p>
@@ -2267,7 +2267,7 @@
             <a:fld id="{5B106E36-FD25-4E2D-B0AA-010F637433A0}" type="datetimeFigureOut">
               <a:rPr lang="ru-RU" smtClean="0"/>
               <a:pPr/>
-              <a:t>27.04.2019</a:t>
+              <a:t>30.04.2019</a:t>
             </a:fld>
             <a:endParaRPr lang="ru-RU"/>
           </a:p>
@@ -2536,7 +2536,7 @@
             <a:fld id="{5B106E36-FD25-4E2D-B0AA-010F637433A0}" type="datetimeFigureOut">
               <a:rPr lang="ru-RU" smtClean="0"/>
               <a:pPr/>
-              <a:t>27.04.2019</a:t>
+              <a:t>30.04.2019</a:t>
             </a:fld>
             <a:endParaRPr lang="ru-RU"/>
           </a:p>
@@ -2766,7 +2766,7 @@
             <a:fld id="{5B106E36-FD25-4E2D-B0AA-010F637433A0}" type="datetimeFigureOut">
               <a:rPr lang="ru-RU" smtClean="0"/>
               <a:pPr/>
-              <a:t>27.04.2019</a:t>
+              <a:t>30.04.2019</a:t>
             </a:fld>
             <a:endParaRPr lang="ru-RU"/>
           </a:p>
@@ -3267,7 +3267,7 @@
             <a:fld id="{5B106E36-FD25-4E2D-B0AA-010F637433A0}" type="datetimeFigureOut">
               <a:rPr lang="ru-RU" smtClean="0"/>
               <a:pPr/>
-              <a:t>27.04.2019</a:t>
+              <a:t>30.04.2019</a:t>
             </a:fld>
             <a:endParaRPr lang="ru-RU"/>
           </a:p>
@@ -3714,11 +3714,7 @@
           <a:p>
             <a:r>
               <a:rPr lang="ru-RU" dirty="0" smtClean="0"/>
-              <a:t> </a:t>
-            </a:r>
-            <a:r>
-              <a:rPr lang="ru-RU" dirty="0" smtClean="0"/>
-              <a:t>телеграмм-бот игра в города</a:t>
+              <a:t> телеграмм-бот игра в города</a:t>
             </a:r>
             <a:br>
               <a:rPr lang="ru-RU" dirty="0" smtClean="0"/>
@@ -3867,11 +3863,7 @@
           <a:p>
             <a:r>
               <a:rPr lang="ru-RU" dirty="0" smtClean="0"/>
-              <a:t> </a:t>
-            </a:r>
-            <a:r>
-              <a:rPr lang="ru-RU" dirty="0" smtClean="0"/>
-              <a:t>я создала своего бота, связавшись с @</a:t>
+              <a:t> я создала своего бота, связавшись с @</a:t>
             </a:r>
             <a:r>
               <a:rPr lang="ru-RU" dirty="0" err="1" smtClean="0"/>
@@ -4188,35 +4180,62 @@
           <a:p>
             <a:r>
               <a:rPr lang="ru-RU" dirty="0" smtClean="0"/>
-              <a:t>Лицензионные требования используемых API</a:t>
-            </a:r>
+              <a:t>Лицензионные требования используемых API:</a:t>
+            </a:r>
+            <a:endParaRPr lang="ru-RU" dirty="0"/>
+          </a:p>
+        </p:txBody>
+      </p:sp>
+      <p:sp>
+        <p:nvSpPr>
+          <p:cNvPr id="3" name="Содержимое 2"/>
+          <p:cNvSpPr>
+            <a:spLocks noGrp="1"/>
+          </p:cNvSpPr>
+          <p:nvPr>
+            <p:ph sz="quarter" idx="1"/>
+          </p:nvPr>
+        </p:nvSpPr>
+        <p:spPr/>
+        <p:txBody>
+          <a:bodyPr/>
+          <a:lstStyle/>
+          <a:p>
             <a:r>
               <a:rPr lang="ru-RU" dirty="0" smtClean="0"/>
-              <a:t>:</a:t>
-            </a:r>
-            <a:endParaRPr lang="ru-RU" dirty="0"/>
-          </a:p>
-        </p:txBody>
-      </p:sp>
-      <p:sp>
-        <p:nvSpPr>
-          <p:cNvPr id="3" name="Содержимое 2"/>
-          <p:cNvSpPr>
-            <a:spLocks noGrp="1"/>
-          </p:cNvSpPr>
-          <p:nvPr>
-            <p:ph sz="quarter" idx="1"/>
-          </p:nvPr>
-        </p:nvSpPr>
-        <p:spPr/>
-        <p:txBody>
-          <a:bodyPr/>
-          <a:lstStyle/>
-          <a:p>
+              <a:t>нельзя просить бота показывать картинки городов больше 25 000 в сутки</a:t>
+            </a:r>
             <a:r>
               <a:rPr lang="ru-RU" dirty="0" smtClean="0"/>
-              <a:t>нельзя просить бота показывать картинки городов больше 25 000 в сутки.</a:t>
-            </a:r>
+              <a:t>.</a:t>
+            </a:r>
+          </a:p>
+          <a:p>
+            <a:r>
+              <a:rPr lang="ru-RU" dirty="0" smtClean="0"/>
+              <a:t>Т</a:t>
+            </a:r>
+            <a:r>
+              <a:rPr lang="ru-RU" dirty="0" smtClean="0"/>
+              <a:t>ребование </a:t>
+            </a:r>
+            <a:r>
+              <a:rPr lang="ru-RU" dirty="0" smtClean="0"/>
+              <a:t>сопровождать перевод текстом: Переведено сервисом «</a:t>
+            </a:r>
+            <a:r>
+              <a:rPr lang="ru-RU" dirty="0" err="1" smtClean="0"/>
+              <a:t>Яндекс.Переводчик</a:t>
+            </a:r>
+            <a:r>
+              <a:rPr lang="ru-RU" dirty="0" smtClean="0"/>
+              <a:t>» http://translate.yandex.ru</a:t>
+            </a:r>
+            <a:r>
+              <a:rPr lang="ru-RU" dirty="0" smtClean="0"/>
+              <a:t>/ . соблюдено</a:t>
+            </a:r>
+            <a:endParaRPr lang="ru-RU" dirty="0" smtClean="0"/>
           </a:p>
           <a:p>
             <a:endParaRPr lang="ru-RU" dirty="0"/>
@@ -4267,15 +4286,7 @@
           <a:p>
             <a:r>
               <a:rPr lang="ru-RU" dirty="0" smtClean="0"/>
-              <a:t>Примеры работы </a:t>
-            </a:r>
-            <a:r>
-              <a:rPr lang="ru-RU" dirty="0" smtClean="0"/>
-              <a:t>программы</a:t>
-            </a:r>
-            <a:r>
-              <a:rPr lang="ru-RU" dirty="0" smtClean="0"/>
-              <a:t/>
+              <a:t>Примеры работы программы</a:t>
             </a:r>
             <a:br>
               <a:rPr lang="ru-RU" dirty="0" smtClean="0"/>
